--- a/Subreddit_Presentation.pptx
+++ b/Subreddit_Presentation.pptx
@@ -232,7 +232,7 @@
           <a:p>
             <a:fld id="{EF1077DB-935E-4A0A-947A-D283B9F9F452}" type="datetimeFigureOut">
               <a:rPr lang="en-US" smtClean="0"/>
-              <a:t>7/11/19</a:t>
+              <a:t>7/12/19</a:t>
             </a:fld>
             <a:endParaRPr lang="en-US"/>
           </a:p>
@@ -409,7 +409,7 @@
           <a:p>
             <a:fld id="{2D9EC30E-1A71-4188-9BE7-E2A64929A436}" type="datetimeFigureOut">
               <a:rPr lang="en-US" noProof="0" smtClean="0"/>
-              <a:t>7/11/19</a:t>
+              <a:t>7/12/19</a:t>
             </a:fld>
             <a:endParaRPr lang="en-US" noProof="0"/>
           </a:p>
@@ -26387,7 +26387,7 @@
         <p:spPr>
           <a:xfrm>
             <a:off x="432000" y="1111954"/>
-            <a:ext cx="5664000" cy="6186309"/>
+            <a:ext cx="5664000" cy="5909310"/>
           </a:xfrm>
           <a:prstGeom prst="rect">
             <a:avLst/>
@@ -26406,7 +26406,7 @@
             </a:pPr>
             <a:r>
               <a:rPr lang="en-US" dirty="0"/>
-              <a:t>The California &amp; Texas Politics Subreddits are pretty distinctive</a:t>
+              <a:t>The California &amp; Texas Politics Subreddits are distinctive</a:t>
             </a:r>
           </a:p>
           <a:p>
@@ -26432,7 +26432,7 @@
             </a:pPr>
             <a:r>
               <a:rPr lang="en-US" dirty="0"/>
-              <a:t>When removing the two most powerful features the models accuracy drops to about 80-81%</a:t>
+              <a:t>When removing the two most powerful features the model’s accuracy drops to about 80-81%</a:t>
             </a:r>
           </a:p>
           <a:p>
@@ -29150,7 +29150,7 @@
                   <a:latin typeface="Calibri" panose="020F0502020204030204" pitchFamily="34" charset="0"/>
                   <a:cs typeface="Calibri" panose="020F0502020204030204" pitchFamily="34" charset="0"/>
                 </a:rPr>
-                <a:t>The NLP was successful overall</a:t>
+                <a:t>The NLP was successful</a:t>
               </a:r>
             </a:p>
           </p:txBody>
@@ -29303,7 +29303,7 @@
                   <a:latin typeface="Calibri" panose="020F0502020204030204" pitchFamily="34" charset="0"/>
                   <a:cs typeface="Calibri" panose="020F0502020204030204" pitchFamily="34" charset="0"/>
                 </a:rPr>
-                <a:t>If the two subreddits hadn’t contained such high value words it would have definitely made the classification more challenging</a:t>
+                <a:t>If the two subreddits hadn’t contained such high value words it would have made the classification more challenging</a:t>
               </a:r>
             </a:p>
           </p:txBody>
@@ -29456,7 +29456,7 @@
                   <a:latin typeface="Calibri" panose="020F0502020204030204" pitchFamily="34" charset="0"/>
                   <a:cs typeface="Calibri" panose="020F0502020204030204" pitchFamily="34" charset="0"/>
                 </a:rPr>
-                <a:t>Despite removing some of the most high value words the model still did a solid job predicting if a post came from the California Politics Subreddit</a:t>
+                <a:t>Despite removing some of the most high value words, the model still predicted a post with a high rate of accuracy</a:t>
               </a:r>
             </a:p>
           </p:txBody>
@@ -29752,7 +29752,7 @@
                   <a:latin typeface="Calibri" panose="020F0502020204030204" pitchFamily="34" charset="0"/>
                   <a:cs typeface="Calibri" panose="020F0502020204030204" pitchFamily="34" charset="0"/>
                 </a:rPr>
-                <a:t>Additionally it would be interesting to pull new posts and see how they are classified.</a:t>
+                <a:t>Additionally, it would be interesting to pull new posts and see how they are classified.</a:t>
               </a:r>
             </a:p>
           </p:txBody>
@@ -40612,20 +40612,20 @@
 </file>
 
 <file path=customXml/item1.xml><?xml version="1.0" encoding="utf-8"?>
-<p:properties xmlns:p="http://schemas.microsoft.com/office/2006/metadata/properties" xmlns:xsi="http://www.w3.org/2001/XMLSchema-instance" xmlns:pc="http://schemas.microsoft.com/office/infopath/2007/PartnerControls">
-  <documentManagement>
-    <MediaServiceKeyPoints xmlns="71af3243-3dd4-4a8d-8c0d-dd76da1f02a5" xsi:nil="true"/>
-  </documentManagement>
-</p:properties>
-</file>
-
-<file path=customXml/item2.xml><?xml version="1.0" encoding="utf-8"?>
 <?mso-contentType ?>
 <FormTemplates xmlns="http://schemas.microsoft.com/sharepoint/v3/contenttype/forms">
   <Display>DocumentLibraryForm</Display>
   <Edit>DocumentLibraryForm</Edit>
   <New>DocumentLibraryForm</New>
 </FormTemplates>
+</file>
+
+<file path=customXml/item2.xml><?xml version="1.0" encoding="utf-8"?>
+<p:properties xmlns:p="http://schemas.microsoft.com/office/2006/metadata/properties" xmlns:xsi="http://www.w3.org/2001/XMLSchema-instance" xmlns:pc="http://schemas.microsoft.com/office/infopath/2007/PartnerControls">
+  <documentManagement>
+    <MediaServiceKeyPoints xmlns="71af3243-3dd4-4a8d-8c0d-dd76da1f02a5" xsi:nil="true"/>
+  </documentManagement>
+</p:properties>
 </file>
 
 <file path=customXml/item3.xml><?xml version="1.0" encoding="utf-8"?>
@@ -40840,19 +40840,19 @@
 </file>
 
 <file path=customXml/itemProps1.xml><?xml version="1.0" encoding="utf-8"?>
+<ds:datastoreItem xmlns:ds="http://schemas.openxmlformats.org/officeDocument/2006/customXml" ds:itemID="{8A930687-51F2-44C8-9CE6-D1B3D6E17522}">
+  <ds:schemaRefs>
+    <ds:schemaRef ds:uri="http://schemas.microsoft.com/sharepoint/v3/contenttype/forms"/>
+  </ds:schemaRefs>
+</ds:datastoreItem>
+</file>
+
+<file path=customXml/itemProps2.xml><?xml version="1.0" encoding="utf-8"?>
 <ds:datastoreItem xmlns:ds="http://schemas.openxmlformats.org/officeDocument/2006/customXml" ds:itemID="{A861FE8A-8F15-409F-AF62-619C69C0D537}">
   <ds:schemaRefs>
     <ds:schemaRef ds:uri="http://schemas.microsoft.com/office/2006/metadata/properties"/>
     <ds:schemaRef ds:uri="http://schemas.microsoft.com/office/infopath/2007/PartnerControls"/>
     <ds:schemaRef ds:uri="71af3243-3dd4-4a8d-8c0d-dd76da1f02a5"/>
-  </ds:schemaRefs>
-</ds:datastoreItem>
-</file>
-
-<file path=customXml/itemProps2.xml><?xml version="1.0" encoding="utf-8"?>
-<ds:datastoreItem xmlns:ds="http://schemas.openxmlformats.org/officeDocument/2006/customXml" ds:itemID="{8A930687-51F2-44C8-9CE6-D1B3D6E17522}">
-  <ds:schemaRefs>
-    <ds:schemaRef ds:uri="http://schemas.microsoft.com/sharepoint/v3/contenttype/forms"/>
   </ds:schemaRefs>
 </ds:datastoreItem>
 </file>

--- a/Subreddit_Presentation.pptx
+++ b/Subreddit_Presentation.pptx
@@ -23188,6 +23188,97 @@
           <a:p>
             <a:pPr algn="ctr"/>
             <a:endParaRPr lang="en-US" dirty="0"/>
+          </a:p>
+        </p:txBody>
+      </p:sp>
+      <p:sp>
+        <p:nvSpPr>
+          <p:cNvPr id="8" name="Title 2">
+            <a:extLst>
+              <a:ext uri="{FF2B5EF4-FFF2-40B4-BE49-F238E27FC236}">
+                <a16:creationId xmlns:a16="http://schemas.microsoft.com/office/drawing/2014/main" id="{70221337-22CC-DF4E-AAD8-B99CFBED1784}"/>
+              </a:ext>
+            </a:extLst>
+          </p:cNvPr>
+          <p:cNvSpPr txBox="1">
+            <a:spLocks/>
+          </p:cNvSpPr>
+          <p:nvPr/>
+        </p:nvSpPr>
+        <p:spPr>
+          <a:xfrm>
+            <a:off x="138477" y="226815"/>
+            <a:ext cx="6958360" cy="645964"/>
+          </a:xfrm>
+          <a:prstGeom prst="roundRect">
+            <a:avLst>
+              <a:gd name="adj" fmla="val 2139"/>
+            </a:avLst>
+          </a:prstGeom>
+          <a:gradFill>
+            <a:gsLst>
+              <a:gs pos="100000">
+                <a:schemeClr val="tx1">
+                  <a:lumMod val="95000"/>
+                  <a:lumOff val="5000"/>
+                </a:schemeClr>
+              </a:gs>
+              <a:gs pos="0">
+                <a:schemeClr val="tx1">
+                  <a:lumMod val="75000"/>
+                  <a:lumOff val="25000"/>
+                </a:schemeClr>
+              </a:gs>
+            </a:gsLst>
+            <a:lin ang="10800000" scaled="0"/>
+          </a:gradFill>
+          <a:ln>
+            <a:solidFill>
+              <a:schemeClr val="bg1">
+                <a:lumMod val="50000"/>
+              </a:schemeClr>
+            </a:solidFill>
+          </a:ln>
+        </p:spPr>
+        <p:txBody>
+          <a:bodyPr vert="horz" lIns="180000" tIns="288000" rIns="180000" bIns="180000" rtlCol="0" anchor="ctr">
+            <a:noAutofit/>
+          </a:bodyPr>
+          <a:lstStyle>
+            <a:lvl1pPr algn="l" defTabSz="914400" rtl="0" eaLnBrk="1" latinLnBrk="0" hangingPunct="1">
+              <a:lnSpc>
+                <a:spcPts val="4000"/>
+              </a:lnSpc>
+              <a:spcBef>
+                <a:spcPct val="0"/>
+              </a:spcBef>
+              <a:buNone/>
+              <a:defRPr sz="5000" b="1" kern="1200" spc="-300">
+                <a:solidFill>
+                  <a:schemeClr val="bg1">
+                    <a:lumMod val="95000"/>
+                  </a:schemeClr>
+                </a:solidFill>
+                <a:latin typeface="+mj-lt"/>
+                <a:ea typeface="+mj-ea"/>
+                <a:cs typeface="+mj-cs"/>
+              </a:defRPr>
+            </a:lvl1pPr>
+          </a:lstStyle>
+          <a:p>
+            <a:pPr algn="ctr"/>
+            <a:r>
+              <a:rPr lang="en-US" sz="4800" b="0" spc="0" dirty="0">
+                <a:solidFill>
+                  <a:schemeClr val="bg1">
+                    <a:lumMod val="85000"/>
+                  </a:schemeClr>
+                </a:solidFill>
+                <a:latin typeface="Calibri" panose="020F0502020204030204" pitchFamily="34" charset="0"/>
+                <a:cs typeface="Calibri" panose="020F0502020204030204" pitchFamily="34" charset="0"/>
+              </a:rPr>
+              <a:t>Donkey &amp; Elephant Banter</a:t>
+            </a:r>
           </a:p>
         </p:txBody>
       </p:sp>
@@ -40612,20 +40703,20 @@
 </file>
 
 <file path=customXml/item1.xml><?xml version="1.0" encoding="utf-8"?>
+<p:properties xmlns:p="http://schemas.microsoft.com/office/2006/metadata/properties" xmlns:xsi="http://www.w3.org/2001/XMLSchema-instance" xmlns:pc="http://schemas.microsoft.com/office/infopath/2007/PartnerControls">
+  <documentManagement>
+    <MediaServiceKeyPoints xmlns="71af3243-3dd4-4a8d-8c0d-dd76da1f02a5" xsi:nil="true"/>
+  </documentManagement>
+</p:properties>
+</file>
+
+<file path=customXml/item2.xml><?xml version="1.0" encoding="utf-8"?>
 <?mso-contentType ?>
 <FormTemplates xmlns="http://schemas.microsoft.com/sharepoint/v3/contenttype/forms">
   <Display>DocumentLibraryForm</Display>
   <Edit>DocumentLibraryForm</Edit>
   <New>DocumentLibraryForm</New>
 </FormTemplates>
-</file>
-
-<file path=customXml/item2.xml><?xml version="1.0" encoding="utf-8"?>
-<p:properties xmlns:p="http://schemas.microsoft.com/office/2006/metadata/properties" xmlns:xsi="http://www.w3.org/2001/XMLSchema-instance" xmlns:pc="http://schemas.microsoft.com/office/infopath/2007/PartnerControls">
-  <documentManagement>
-    <MediaServiceKeyPoints xmlns="71af3243-3dd4-4a8d-8c0d-dd76da1f02a5" xsi:nil="true"/>
-  </documentManagement>
-</p:properties>
 </file>
 
 <file path=customXml/item3.xml><?xml version="1.0" encoding="utf-8"?>
@@ -40840,19 +40931,19 @@
 </file>
 
 <file path=customXml/itemProps1.xml><?xml version="1.0" encoding="utf-8"?>
-<ds:datastoreItem xmlns:ds="http://schemas.openxmlformats.org/officeDocument/2006/customXml" ds:itemID="{8A930687-51F2-44C8-9CE6-D1B3D6E17522}">
+<ds:datastoreItem xmlns:ds="http://schemas.openxmlformats.org/officeDocument/2006/customXml" ds:itemID="{A861FE8A-8F15-409F-AF62-619C69C0D537}">
   <ds:schemaRefs>
-    <ds:schemaRef ds:uri="http://schemas.microsoft.com/sharepoint/v3/contenttype/forms"/>
+    <ds:schemaRef ds:uri="http://schemas.microsoft.com/office/2006/metadata/properties"/>
+    <ds:schemaRef ds:uri="http://schemas.microsoft.com/office/infopath/2007/PartnerControls"/>
+    <ds:schemaRef ds:uri="71af3243-3dd4-4a8d-8c0d-dd76da1f02a5"/>
   </ds:schemaRefs>
 </ds:datastoreItem>
 </file>
 
 <file path=customXml/itemProps2.xml><?xml version="1.0" encoding="utf-8"?>
-<ds:datastoreItem xmlns:ds="http://schemas.openxmlformats.org/officeDocument/2006/customXml" ds:itemID="{A861FE8A-8F15-409F-AF62-619C69C0D537}">
+<ds:datastoreItem xmlns:ds="http://schemas.openxmlformats.org/officeDocument/2006/customXml" ds:itemID="{8A930687-51F2-44C8-9CE6-D1B3D6E17522}">
   <ds:schemaRefs>
-    <ds:schemaRef ds:uri="http://schemas.microsoft.com/office/2006/metadata/properties"/>
-    <ds:schemaRef ds:uri="http://schemas.microsoft.com/office/infopath/2007/PartnerControls"/>
-    <ds:schemaRef ds:uri="71af3243-3dd4-4a8d-8c0d-dd76da1f02a5"/>
+    <ds:schemaRef ds:uri="http://schemas.microsoft.com/sharepoint/v3/contenttype/forms"/>
   </ds:schemaRefs>
 </ds:datastoreItem>
 </file>

--- a/Subreddit_Presentation.pptx
+++ b/Subreddit_Presentation.pptx
@@ -23124,7 +23124,15 @@
             </a:r>
             <a:r>
               <a:rPr lang="en-US" dirty="0"/>
-              <a:t> &amp; NPL Methods: California vs. Texas Politics</a:t>
+              <a:t> </a:t>
+            </a:r>
+            <a:r>
+              <a:rPr lang="en-US"/>
+              <a:t>&amp; NLP </a:t>
+            </a:r>
+            <a:r>
+              <a:rPr lang="en-US" dirty="0"/>
+              <a:t>Methods: California vs. Texas Politics</a:t>
             </a:r>
           </a:p>
         </p:txBody>
@@ -30954,7 +30962,7 @@
         </p:nvSpPr>
         <p:spPr>
           <a:xfrm>
-            <a:off x="6568602" y="188531"/>
+            <a:off x="6620411" y="1392392"/>
             <a:ext cx="5277860" cy="3500127"/>
           </a:xfrm>
           <a:prstGeom prst="rect">
@@ -30986,6 +30994,9 @@
           <a:lstStyle/>
           <a:p>
             <a:pPr marL="285750" indent="-285750">
+              <a:lnSpc>
+                <a:spcPct val="150000"/>
+              </a:lnSpc>
               <a:buFont typeface="Wingdings" pitchFamily="2" charset="2"/>
               <a:buChar char="v"/>
             </a:pPr>
@@ -31003,6 +31014,9 @@
           </a:p>
           <a:p>
             <a:pPr marL="285750" indent="-285750">
+              <a:lnSpc>
+                <a:spcPct val="150000"/>
+              </a:lnSpc>
               <a:buFont typeface="Wingdings" pitchFamily="2" charset="2"/>
               <a:buChar char="v"/>
             </a:pPr>
@@ -31020,6 +31034,9 @@
           </a:p>
           <a:p>
             <a:pPr marL="285750" indent="-285750">
+              <a:lnSpc>
+                <a:spcPct val="150000"/>
+              </a:lnSpc>
               <a:buFont typeface="Wingdings" pitchFamily="2" charset="2"/>
               <a:buChar char="v"/>
             </a:pPr>
@@ -31037,6 +31054,9 @@
           </a:p>
           <a:p>
             <a:pPr marL="285750" indent="-285750">
+              <a:lnSpc>
+                <a:spcPct val="150000"/>
+              </a:lnSpc>
               <a:buFont typeface="Wingdings" pitchFamily="2" charset="2"/>
               <a:buChar char="v"/>
             </a:pPr>
@@ -31054,6 +31074,9 @@
           </a:p>
           <a:p>
             <a:pPr marL="285750" indent="-285750">
+              <a:lnSpc>
+                <a:spcPct val="150000"/>
+              </a:lnSpc>
               <a:buFont typeface="Wingdings" pitchFamily="2" charset="2"/>
               <a:buChar char="v"/>
             </a:pPr>
@@ -31071,6 +31094,9 @@
           </a:p>
           <a:p>
             <a:pPr marL="285750" indent="-285750">
+              <a:lnSpc>
+                <a:spcPct val="150000"/>
+              </a:lnSpc>
               <a:buFont typeface="Wingdings" pitchFamily="2" charset="2"/>
               <a:buChar char="v"/>
             </a:pPr>
@@ -32504,8 +32530,8 @@
         </p:nvSpPr>
         <p:spPr>
           <a:xfrm>
-            <a:off x="4558940" y="596382"/>
-            <a:ext cx="6505731" cy="3539430"/>
+            <a:off x="4726208" y="975387"/>
+            <a:ext cx="6505731" cy="5196166"/>
           </a:xfrm>
           <a:prstGeom prst="rect">
             <a:avLst/>
@@ -32519,6 +32545,9 @@
           <a:lstStyle/>
           <a:p>
             <a:pPr marL="285750" indent="-285750">
+              <a:lnSpc>
+                <a:spcPct val="150000"/>
+              </a:lnSpc>
               <a:buFont typeface="Wingdings" pitchFamily="2" charset="2"/>
               <a:buChar char="v"/>
             </a:pPr>
@@ -32529,6 +32558,9 @@
           </a:p>
           <a:p>
             <a:pPr marL="285750" indent="-285750">
+              <a:lnSpc>
+                <a:spcPct val="150000"/>
+              </a:lnSpc>
               <a:buFont typeface="Wingdings" pitchFamily="2" charset="2"/>
               <a:buChar char="v"/>
             </a:pPr>
@@ -32539,6 +32571,9 @@
           </a:p>
           <a:p>
             <a:pPr marL="742950" lvl="1" indent="-285750">
+              <a:lnSpc>
+                <a:spcPct val="150000"/>
+              </a:lnSpc>
               <a:buFont typeface="Wingdings" pitchFamily="2" charset="2"/>
               <a:buChar char="v"/>
             </a:pPr>
@@ -32549,6 +32584,9 @@
           </a:p>
           <a:p>
             <a:pPr marL="742950" lvl="1" indent="-285750">
+              <a:lnSpc>
+                <a:spcPct val="150000"/>
+              </a:lnSpc>
               <a:buFont typeface="Wingdings" pitchFamily="2" charset="2"/>
               <a:buChar char="v"/>
             </a:pPr>
@@ -32559,6 +32597,9 @@
           </a:p>
           <a:p>
             <a:pPr marL="285750" indent="-285750">
+              <a:lnSpc>
+                <a:spcPct val="150000"/>
+              </a:lnSpc>
               <a:buFont typeface="Wingdings" pitchFamily="2" charset="2"/>
               <a:buChar char="v"/>
             </a:pPr>
@@ -32569,6 +32610,9 @@
           </a:p>
           <a:p>
             <a:pPr marL="742950" lvl="1" indent="-285750">
+              <a:lnSpc>
+                <a:spcPct val="150000"/>
+              </a:lnSpc>
               <a:buFont typeface="Wingdings" pitchFamily="2" charset="2"/>
               <a:buChar char="v"/>
             </a:pPr>
@@ -32579,6 +32623,9 @@
           </a:p>
           <a:p>
             <a:pPr marL="742950" lvl="1" indent="-285750">
+              <a:lnSpc>
+                <a:spcPct val="150000"/>
+              </a:lnSpc>
               <a:buFont typeface="Wingdings" pitchFamily="2" charset="2"/>
               <a:buChar char="v"/>
             </a:pPr>
@@ -32589,6 +32636,9 @@
           </a:p>
           <a:p>
             <a:pPr marL="285750" indent="-285750">
+              <a:lnSpc>
+                <a:spcPct val="150000"/>
+              </a:lnSpc>
               <a:buFont typeface="Wingdings" pitchFamily="2" charset="2"/>
               <a:buChar char="v"/>
             </a:pPr>
@@ -32596,6 +32646,36 @@
           </a:p>
         </p:txBody>
       </p:sp>
+      <p:pic>
+        <p:nvPicPr>
+          <p:cNvPr id="4" name="Picture 3" descr="A screenshot of a cell phone&#10;&#10;Description automatically generated">
+            <a:extLst>
+              <a:ext uri="{FF2B5EF4-FFF2-40B4-BE49-F238E27FC236}">
+                <a16:creationId xmlns:a16="http://schemas.microsoft.com/office/drawing/2014/main" id="{165A005A-35DE-A844-A804-7BE9FBE44BF6}"/>
+              </a:ext>
+            </a:extLst>
+          </p:cNvPr>
+          <p:cNvPicPr>
+            <a:picLocks noChangeAspect="1"/>
+          </p:cNvPicPr>
+          <p:nvPr/>
+        </p:nvPicPr>
+        <p:blipFill>
+          <a:blip r:embed="rId2"/>
+          <a:stretch>
+            <a:fillRect/>
+          </a:stretch>
+        </p:blipFill>
+        <p:spPr>
+          <a:xfrm>
+            <a:off x="538154" y="975387"/>
+            <a:ext cx="3507993" cy="2565717"/>
+          </a:xfrm>
+          <a:prstGeom prst="rect">
+            <a:avLst/>
+          </a:prstGeom>
+        </p:spPr>
+      </p:pic>
     </p:spTree>
     <p:extLst>
       <p:ext uri="{BB962C8B-B14F-4D97-AF65-F5344CB8AC3E}">

--- a/Subreddit_Presentation.pptx
+++ b/Subreddit_Presentation.pptx
@@ -232,7 +232,7 @@
           <a:p>
             <a:fld id="{EF1077DB-935E-4A0A-947A-D283B9F9F452}" type="datetimeFigureOut">
               <a:rPr lang="en-US" smtClean="0"/>
-              <a:t>7/12/19</a:t>
+              <a:t>7/13/19</a:t>
             </a:fld>
             <a:endParaRPr lang="en-US"/>
           </a:p>
@@ -409,7 +409,7 @@
           <a:p>
             <a:fld id="{2D9EC30E-1A71-4188-9BE7-E2A64929A436}" type="datetimeFigureOut">
               <a:rPr lang="en-US" noProof="0" smtClean="0"/>
-              <a:t>7/12/19</a:t>
+              <a:t>7/13/19</a:t>
             </a:fld>
             <a:endParaRPr lang="en-US" noProof="0"/>
           </a:p>
@@ -23124,15 +23124,7 @@
             </a:r>
             <a:r>
               <a:rPr lang="en-US" dirty="0"/>
-              <a:t> </a:t>
-            </a:r>
-            <a:r>
-              <a:rPr lang="en-US"/>
-              <a:t>&amp; NLP </a:t>
-            </a:r>
-            <a:r>
-              <a:rPr lang="en-US" dirty="0"/>
-              <a:t>Methods: California vs. Texas Politics</a:t>
+              <a:t> &amp; NLP Methods: California vs. Texas Politics</a:t>
             </a:r>
           </a:p>
         </p:txBody>
@@ -32566,7 +32558,7 @@
             </a:pPr>
             <a:r>
               <a:rPr lang="en-US" sz="2800" dirty="0"/>
-              <a:t> Scrapped Data From 2 Subreddits</a:t>
+              <a:t> Scraped Data From 2 Subreddits</a:t>
             </a:r>
           </a:p>
           <a:p>
@@ -32605,7 +32597,7 @@
             </a:pPr>
             <a:r>
               <a:rPr lang="en-US" sz="2800" dirty="0"/>
-              <a:t> Scrapped the 1000 most recent posts</a:t>
+              <a:t> Scraped the 1000 most recent posts</a:t>
             </a:r>
           </a:p>
           <a:p>
@@ -35882,15 +35874,7 @@
             </a:pPr>
             <a:r>
               <a:rPr lang="en-US" dirty="0"/>
-              <a:t>So we scored the corpus with and without them as </a:t>
-            </a:r>
-            <a:r>
-              <a:rPr lang="en-US" dirty="0" err="1"/>
-              <a:t>stopwords</a:t>
-            </a:r>
-            <a:r>
-              <a:rPr lang="en-US" dirty="0"/>
-              <a:t>.</a:t>
+              <a:t>So we scored the corpus with and without them as stop words.</a:t>
             </a:r>
           </a:p>
           <a:p>
@@ -39504,15 +39488,7 @@
             </a:pPr>
             <a:r>
               <a:rPr lang="en-US" dirty="0"/>
-              <a:t>Classification Models :: Logistic </a:t>
-            </a:r>
-            <a:r>
-              <a:rPr lang="en-US" dirty="0" err="1"/>
-              <a:t>Regresstion</a:t>
-            </a:r>
-            <a:r>
-              <a:rPr lang="en-US" dirty="0"/>
-              <a:t>, Multinomial Naive-Bayes Classifier, Random Forest Classifier, </a:t>
+              <a:t>Classification Models :: Logistic Regression, Multinomial Naive-Bayes Classifier, Random Forest Classifier, </a:t>
             </a:r>
             <a:r>
               <a:rPr lang="en-US" dirty="0" err="1"/>
@@ -40783,20 +40759,20 @@
 </file>
 
 <file path=customXml/item1.xml><?xml version="1.0" encoding="utf-8"?>
-<p:properties xmlns:p="http://schemas.microsoft.com/office/2006/metadata/properties" xmlns:xsi="http://www.w3.org/2001/XMLSchema-instance" xmlns:pc="http://schemas.microsoft.com/office/infopath/2007/PartnerControls">
-  <documentManagement>
-    <MediaServiceKeyPoints xmlns="71af3243-3dd4-4a8d-8c0d-dd76da1f02a5" xsi:nil="true"/>
-  </documentManagement>
-</p:properties>
-</file>
-
-<file path=customXml/item2.xml><?xml version="1.0" encoding="utf-8"?>
 <?mso-contentType ?>
 <FormTemplates xmlns="http://schemas.microsoft.com/sharepoint/v3/contenttype/forms">
   <Display>DocumentLibraryForm</Display>
   <Edit>DocumentLibraryForm</Edit>
   <New>DocumentLibraryForm</New>
 </FormTemplates>
+</file>
+
+<file path=customXml/item2.xml><?xml version="1.0" encoding="utf-8"?>
+<p:properties xmlns:p="http://schemas.microsoft.com/office/2006/metadata/properties" xmlns:xsi="http://www.w3.org/2001/XMLSchema-instance" xmlns:pc="http://schemas.microsoft.com/office/infopath/2007/PartnerControls">
+  <documentManagement>
+    <MediaServiceKeyPoints xmlns="71af3243-3dd4-4a8d-8c0d-dd76da1f02a5" xsi:nil="true"/>
+  </documentManagement>
+</p:properties>
 </file>
 
 <file path=customXml/item3.xml><?xml version="1.0" encoding="utf-8"?>
@@ -41011,19 +40987,19 @@
 </file>
 
 <file path=customXml/itemProps1.xml><?xml version="1.0" encoding="utf-8"?>
+<ds:datastoreItem xmlns:ds="http://schemas.openxmlformats.org/officeDocument/2006/customXml" ds:itemID="{8A930687-51F2-44C8-9CE6-D1B3D6E17522}">
+  <ds:schemaRefs>
+    <ds:schemaRef ds:uri="http://schemas.microsoft.com/sharepoint/v3/contenttype/forms"/>
+  </ds:schemaRefs>
+</ds:datastoreItem>
+</file>
+
+<file path=customXml/itemProps2.xml><?xml version="1.0" encoding="utf-8"?>
 <ds:datastoreItem xmlns:ds="http://schemas.openxmlformats.org/officeDocument/2006/customXml" ds:itemID="{A861FE8A-8F15-409F-AF62-619C69C0D537}">
   <ds:schemaRefs>
     <ds:schemaRef ds:uri="http://schemas.microsoft.com/office/2006/metadata/properties"/>
     <ds:schemaRef ds:uri="http://schemas.microsoft.com/office/infopath/2007/PartnerControls"/>
     <ds:schemaRef ds:uri="71af3243-3dd4-4a8d-8c0d-dd76da1f02a5"/>
-  </ds:schemaRefs>
-</ds:datastoreItem>
-</file>
-
-<file path=customXml/itemProps2.xml><?xml version="1.0" encoding="utf-8"?>
-<ds:datastoreItem xmlns:ds="http://schemas.openxmlformats.org/officeDocument/2006/customXml" ds:itemID="{8A930687-51F2-44C8-9CE6-D1B3D6E17522}">
-  <ds:schemaRefs>
-    <ds:schemaRef ds:uri="http://schemas.microsoft.com/sharepoint/v3/contenttype/forms"/>
   </ds:schemaRefs>
 </ds:datastoreItem>
 </file>
